--- a/ICE Proposal Wireframes v10.pptx
+++ b/ICE Proposal Wireframes v10.pptx
@@ -7287,14 +7287,14 @@
           <p:nvPr>
             <p:extLst>
               <p:ext uri="{D42A27DB-BD31-4B8C-83A1-F6EECF244321}">
-                <p14:modId xmlns:p14="http://schemas.microsoft.com/office/powerpoint/2010/main" val="2685990162"/>
+                <p14:modId xmlns:p14="http://schemas.microsoft.com/office/powerpoint/2010/main" val="2381067577"/>
               </p:ext>
             </p:extLst>
           </p:nvPr>
         </p:nvGraphicFramePr>
         <p:xfrm>
           <a:off x="2947034" y="4508480"/>
-          <a:ext cx="6319277" cy="1400505"/>
+          <a:ext cx="6319277" cy="1120404"/>
         </p:xfrm>
         <a:graphic>
           <a:graphicData uri="http://schemas.openxmlformats.org/drawingml/2006/table">
@@ -7436,81 +7436,6 @@
                 <a:extLst>
                   <a:ext uri="{0D108BD9-81ED-4DB2-BD59-A6C34878D82A}">
                     <a16:rowId xmlns:a16="http://schemas.microsoft.com/office/drawing/2014/main" val="993610529"/>
-                  </a:ext>
-                </a:extLst>
-              </a:tr>
-              <a:tr h="280101">
-                <a:tc>
-                  <a:txBody>
-                    <a:bodyPr/>
-                    <a:lstStyle/>
-                    <a:p>
-                      <a:r>
-                        <a:rPr lang="en-US" sz="1050" dirty="0">
-                          <a:latin typeface="Arial" panose="020B0604020202020204" pitchFamily="34" charset="0"/>
-                          <a:cs typeface="Arial" panose="020B0604020202020204" pitchFamily="34" charset="0"/>
-                        </a:rPr>
-                        <a:t>Commercial License</a:t>
-                      </a:r>
-                    </a:p>
-                  </a:txBody>
-                  <a:tcPr/>
-                </a:tc>
-                <a:tc>
-                  <a:txBody>
-                    <a:bodyPr/>
-                    <a:lstStyle/>
-                    <a:p>
-                      <a:r>
-                        <a:rPr lang="en-US" sz="1050">
-                          <a:latin typeface="Arial" panose="020B0604020202020204" pitchFamily="34" charset="0"/>
-                          <a:cs typeface="Arial" panose="020B0604020202020204" pitchFamily="34" charset="0"/>
-                        </a:rPr>
-                        <a:t>Comm. Driver’s License</a:t>
-                      </a:r>
-                      <a:endParaRPr lang="en-US" sz="1050" dirty="0">
-                        <a:latin typeface="Arial" panose="020B0604020202020204" pitchFamily="34" charset="0"/>
-                        <a:cs typeface="Arial" panose="020B0604020202020204" pitchFamily="34" charset="0"/>
-                      </a:endParaRPr>
-                    </a:p>
-                  </a:txBody>
-                  <a:tcPr/>
-                </a:tc>
-                <a:tc>
-                  <a:txBody>
-                    <a:bodyPr/>
-                    <a:lstStyle/>
-                    <a:p>
-                      <a:r>
-                        <a:rPr lang="en-US" sz="1050" dirty="0">
-                          <a:latin typeface="Arial" panose="020B0604020202020204" pitchFamily="34" charset="0"/>
-                          <a:cs typeface="Arial" panose="020B0604020202020204" pitchFamily="34" charset="0"/>
-                        </a:rPr>
-                        <a:t>State  Certification</a:t>
-                      </a:r>
-                    </a:p>
-                  </a:txBody>
-                  <a:tcPr/>
-                </a:tc>
-                <a:tc>
-                  <a:txBody>
-                    <a:bodyPr/>
-                    <a:lstStyle/>
-                    <a:p>
-                      <a:r>
-                        <a:rPr lang="en-US" sz="1050" dirty="0">
-                          <a:latin typeface="Arial" panose="020B0604020202020204" pitchFamily="34" charset="0"/>
-                          <a:cs typeface="Arial" panose="020B0604020202020204" pitchFamily="34" charset="0"/>
-                        </a:rPr>
-                        <a:t>8/21/18</a:t>
-                      </a:r>
-                    </a:p>
-                  </a:txBody>
-                  <a:tcPr/>
-                </a:tc>
-                <a:extLst>
-                  <a:ext uri="{0D108BD9-81ED-4DB2-BD59-A6C34878D82A}">
-                    <a16:rowId xmlns:a16="http://schemas.microsoft.com/office/drawing/2014/main" val="457382462"/>
                   </a:ext>
                 </a:extLst>
               </a:tr>
@@ -7775,6 +7700,258 @@
           </a:graphicData>
         </a:graphic>
       </p:graphicFrame>
+      <p:sp>
+        <p:nvSpPr>
+          <p:cNvPr id="26" name="TextBox 25">
+            <a:extLst>
+              <a:ext uri="{FF2B5EF4-FFF2-40B4-BE49-F238E27FC236}">
+                <a16:creationId xmlns:a16="http://schemas.microsoft.com/office/drawing/2014/main" id="{F4944D48-31E6-1648-A876-A0DD2FFAB1A8}"/>
+              </a:ext>
+            </a:extLst>
+          </p:cNvPr>
+          <p:cNvSpPr txBox="1"/>
+          <p:nvPr/>
+        </p:nvSpPr>
+        <p:spPr>
+          <a:xfrm>
+            <a:off x="2899368" y="5652953"/>
+            <a:ext cx="3308712" cy="246221"/>
+          </a:xfrm>
+          <a:prstGeom prst="rect">
+            <a:avLst/>
+          </a:prstGeom>
+          <a:noFill/>
+        </p:spPr>
+        <p:txBody>
+          <a:bodyPr wrap="square" rtlCol="0">
+            <a:spAutoFit/>
+          </a:bodyPr>
+          <a:lstStyle/>
+          <a:p>
+            <a:r>
+              <a:rPr lang="en-US" sz="1000" b="1" dirty="0">
+                <a:solidFill>
+                  <a:srgbClr val="0070C0"/>
+                </a:solidFill>
+                <a:latin typeface="Arial" panose="020B0604020202020204" pitchFamily="34" charset="0"/>
+                <a:cs typeface="Arial" panose="020B0604020202020204" pitchFamily="34" charset="0"/>
+              </a:rPr>
+              <a:t>My Education</a:t>
+            </a:r>
+          </a:p>
+        </p:txBody>
+      </p:sp>
+      <p:graphicFrame>
+        <p:nvGraphicFramePr>
+          <p:cNvPr id="27" name="Table 26">
+            <a:extLst>
+              <a:ext uri="{FF2B5EF4-FFF2-40B4-BE49-F238E27FC236}">
+                <a16:creationId xmlns:a16="http://schemas.microsoft.com/office/drawing/2014/main" id="{2E201895-A22F-6548-B48E-098C77BCCCFD}"/>
+              </a:ext>
+            </a:extLst>
+          </p:cNvPr>
+          <p:cNvGraphicFramePr>
+            <a:graphicFrameLocks noGrp="1"/>
+          </p:cNvGraphicFramePr>
+          <p:nvPr>
+            <p:extLst>
+              <p:ext uri="{D42A27DB-BD31-4B8C-83A1-F6EECF244321}">
+                <p14:modId xmlns:p14="http://schemas.microsoft.com/office/powerpoint/2010/main" val="2101571738"/>
+              </p:ext>
+            </p:extLst>
+          </p:nvPr>
+        </p:nvGraphicFramePr>
+        <p:xfrm>
+          <a:off x="2921422" y="5894744"/>
+          <a:ext cx="5143620" cy="560202"/>
+        </p:xfrm>
+        <a:graphic>
+          <a:graphicData uri="http://schemas.openxmlformats.org/drawingml/2006/table">
+            <a:tbl>
+              <a:tblPr firstRow="1" bandRow="1">
+                <a:tableStyleId>{5940675A-B579-460E-94D1-54222C63F5DA}</a:tableStyleId>
+              </a:tblPr>
+              <a:tblGrid>
+                <a:gridCol w="1579819">
+                  <a:extLst>
+                    <a:ext uri="{9D8B030D-6E8A-4147-A177-3AD203B41FA5}">
+                      <a16:colId xmlns:a16="http://schemas.microsoft.com/office/drawing/2014/main" val="3890602391"/>
+                    </a:ext>
+                  </a:extLst>
+                </a:gridCol>
+                <a:gridCol w="1841772">
+                  <a:extLst>
+                    <a:ext uri="{9D8B030D-6E8A-4147-A177-3AD203B41FA5}">
+                      <a16:colId xmlns:a16="http://schemas.microsoft.com/office/drawing/2014/main" val="2829518601"/>
+                    </a:ext>
+                  </a:extLst>
+                </a:gridCol>
+                <a:gridCol w="1722029">
+                  <a:extLst>
+                    <a:ext uri="{9D8B030D-6E8A-4147-A177-3AD203B41FA5}">
+                      <a16:colId xmlns:a16="http://schemas.microsoft.com/office/drawing/2014/main" val="1262064417"/>
+                    </a:ext>
+                  </a:extLst>
+                </a:gridCol>
+              </a:tblGrid>
+              <a:tr h="280101">
+                <a:tc>
+                  <a:txBody>
+                    <a:bodyPr/>
+                    <a:lstStyle/>
+                    <a:p>
+                      <a:r>
+                        <a:rPr lang="en-US" sz="1050" b="1" dirty="0">
+                          <a:solidFill>
+                            <a:schemeClr val="bg1"/>
+                          </a:solidFill>
+                          <a:latin typeface="Arial" panose="020B0604020202020204" pitchFamily="34" charset="0"/>
+                          <a:cs typeface="Arial" panose="020B0604020202020204" pitchFamily="34" charset="0"/>
+                        </a:rPr>
+                        <a:t>Degree</a:t>
+                      </a:r>
+                    </a:p>
+                  </a:txBody>
+                  <a:tcPr>
+                    <a:solidFill>
+                      <a:srgbClr val="C00000">
+                        <a:alpha val="50196"/>
+                      </a:srgbClr>
+                    </a:solidFill>
+                  </a:tcPr>
+                </a:tc>
+                <a:tc>
+                  <a:txBody>
+                    <a:bodyPr/>
+                    <a:lstStyle/>
+                    <a:p>
+                      <a:r>
+                        <a:rPr lang="en-US" sz="1050" b="1" dirty="0">
+                          <a:solidFill>
+                            <a:schemeClr val="bg1"/>
+                          </a:solidFill>
+                          <a:latin typeface="Arial" panose="020B0604020202020204" pitchFamily="34" charset="0"/>
+                          <a:cs typeface="Arial" panose="020B0604020202020204" pitchFamily="34" charset="0"/>
+                        </a:rPr>
+                        <a:t>School</a:t>
+                      </a:r>
+                    </a:p>
+                  </a:txBody>
+                  <a:tcPr>
+                    <a:solidFill>
+                      <a:srgbClr val="C00000">
+                        <a:alpha val="50196"/>
+                      </a:srgbClr>
+                    </a:solidFill>
+                  </a:tcPr>
+                </a:tc>
+                <a:tc>
+                  <a:txBody>
+                    <a:bodyPr/>
+                    <a:lstStyle/>
+                    <a:p>
+                      <a:r>
+                        <a:rPr lang="en-US" sz="1050" b="1" dirty="0">
+                          <a:solidFill>
+                            <a:schemeClr val="bg1"/>
+                          </a:solidFill>
+                          <a:latin typeface="Arial" panose="020B0604020202020204" pitchFamily="34" charset="0"/>
+                          <a:cs typeface="Arial" panose="020B0604020202020204" pitchFamily="34" charset="0"/>
+                        </a:rPr>
+                        <a:t>Date Received</a:t>
+                      </a:r>
+                    </a:p>
+                  </a:txBody>
+                  <a:tcPr>
+                    <a:solidFill>
+                      <a:srgbClr val="C00000">
+                        <a:alpha val="50196"/>
+                      </a:srgbClr>
+                    </a:solidFill>
+                  </a:tcPr>
+                </a:tc>
+                <a:extLst>
+                  <a:ext uri="{0D108BD9-81ED-4DB2-BD59-A6C34878D82A}">
+                    <a16:rowId xmlns:a16="http://schemas.microsoft.com/office/drawing/2014/main" val="993610529"/>
+                  </a:ext>
+                </a:extLst>
+              </a:tr>
+              <a:tr h="280101">
+                <a:tc>
+                  <a:txBody>
+                    <a:bodyPr/>
+                    <a:lstStyle/>
+                    <a:p>
+                      <a:r>
+                        <a:rPr lang="en-US" sz="1050" dirty="0">
+                          <a:latin typeface="Arial" panose="020B0604020202020204" pitchFamily="34" charset="0"/>
+                          <a:cs typeface="Arial" panose="020B0604020202020204" pitchFamily="34" charset="0"/>
+                        </a:rPr>
+                        <a:t>M.S.</a:t>
+                      </a:r>
+                    </a:p>
+                  </a:txBody>
+                  <a:tcPr/>
+                </a:tc>
+                <a:tc>
+                  <a:txBody>
+                    <a:bodyPr/>
+                    <a:lstStyle/>
+                    <a:p>
+                      <a:r>
+                        <a:rPr lang="en-US" sz="1050" dirty="0">
+                          <a:latin typeface="Arial" panose="020B0604020202020204" pitchFamily="34" charset="0"/>
+                          <a:cs typeface="Arial" panose="020B0604020202020204" pitchFamily="34" charset="0"/>
+                        </a:rPr>
+                        <a:t>Georgia Tech</a:t>
+                      </a:r>
+                    </a:p>
+                  </a:txBody>
+                  <a:tcPr/>
+                </a:tc>
+                <a:tc>
+                  <a:txBody>
+                    <a:bodyPr/>
+                    <a:lstStyle/>
+                    <a:p>
+                      <a:pPr marL="0" marR="0" lvl="0" indent="0" algn="l" defTabSz="914400" rtl="0" eaLnBrk="1" fontAlgn="auto" latinLnBrk="0" hangingPunct="1">
+                        <a:lnSpc>
+                          <a:spcPct val="100000"/>
+                        </a:lnSpc>
+                        <a:spcBef>
+                          <a:spcPts val="0"/>
+                        </a:spcBef>
+                        <a:spcAft>
+                          <a:spcPts val="0"/>
+                        </a:spcAft>
+                        <a:buClrTx/>
+                        <a:buSzTx/>
+                        <a:buFontTx/>
+                        <a:buNone/>
+                        <a:tabLst/>
+                        <a:defRPr/>
+                      </a:pPr>
+                      <a:r>
+                        <a:rPr lang="en-US" sz="1050" dirty="0">
+                          <a:latin typeface="Arial" panose="020B0604020202020204" pitchFamily="34" charset="0"/>
+                          <a:cs typeface="Arial" panose="020B0604020202020204" pitchFamily="34" charset="0"/>
+                        </a:rPr>
+                        <a:t>8/31/2010</a:t>
+                      </a:r>
+                    </a:p>
+                  </a:txBody>
+                  <a:tcPr/>
+                </a:tc>
+                <a:extLst>
+                  <a:ext uri="{0D108BD9-81ED-4DB2-BD59-A6C34878D82A}">
+                    <a16:rowId xmlns:a16="http://schemas.microsoft.com/office/drawing/2014/main" val="255712544"/>
+                  </a:ext>
+                </a:extLst>
+              </a:tr>
+            </a:tbl>
+          </a:graphicData>
+        </a:graphic>
+      </p:graphicFrame>
     </p:spTree>
     <p:extLst>
       <p:ext uri="{BB962C8B-B14F-4D97-AF65-F5344CB8AC3E}">
@@ -10017,7 +10194,7 @@
         </p:nvSpPr>
         <p:spPr>
           <a:xfrm>
-            <a:off x="5351253" y="3497508"/>
+            <a:off x="5351253" y="3698676"/>
             <a:ext cx="548640" cy="182880"/>
           </a:xfrm>
           <a:prstGeom prst="roundRect">
@@ -10084,7 +10261,7 @@
         </p:nvSpPr>
         <p:spPr>
           <a:xfrm>
-            <a:off x="5973216" y="3497508"/>
+            <a:off x="5973216" y="3698676"/>
             <a:ext cx="548640" cy="182880"/>
           </a:xfrm>
           <a:prstGeom prst="roundRect">
@@ -10153,7 +10330,7 @@
         </p:nvSpPr>
         <p:spPr>
           <a:xfrm>
-            <a:off x="6680202" y="3123676"/>
+            <a:off x="6680202" y="3324844"/>
             <a:ext cx="246110" cy="255500"/>
           </a:xfrm>
           <a:prstGeom prst="rect">
@@ -10194,7 +10371,7 @@
         </p:nvSpPr>
         <p:spPr>
           <a:xfrm>
-            <a:off x="3025887" y="3074790"/>
+            <a:off x="3025887" y="3275958"/>
             <a:ext cx="3485339" cy="243221"/>
           </a:xfrm>
           <a:prstGeom prst="roundRect">
@@ -10244,6 +10421,193 @@
               </a:rPr>
               <a:t>Upload scanned copy of diploma </a:t>
             </a:r>
+          </a:p>
+        </p:txBody>
+      </p:sp>
+      <p:sp>
+        <p:nvSpPr>
+          <p:cNvPr id="40" name="TextBox 39">
+            <a:extLst>
+              <a:ext uri="{FF2B5EF4-FFF2-40B4-BE49-F238E27FC236}">
+                <a16:creationId xmlns:a16="http://schemas.microsoft.com/office/drawing/2014/main" id="{64806876-6A31-7B43-B3A7-4EF225578E64}"/>
+              </a:ext>
+            </a:extLst>
+          </p:cNvPr>
+          <p:cNvSpPr txBox="1"/>
+          <p:nvPr/>
+        </p:nvSpPr>
+        <p:spPr>
+          <a:xfrm>
+            <a:off x="2933776" y="2948161"/>
+            <a:ext cx="1489810" cy="246221"/>
+          </a:xfrm>
+          <a:prstGeom prst="rect">
+            <a:avLst/>
+          </a:prstGeom>
+          <a:noFill/>
+        </p:spPr>
+        <p:txBody>
+          <a:bodyPr wrap="square" rtlCol="0">
+            <a:spAutoFit/>
+          </a:bodyPr>
+          <a:lstStyle/>
+          <a:p>
+            <a:r>
+              <a:rPr lang="en-US" sz="1000" dirty="0">
+                <a:latin typeface="Arial" panose="020B0604020202020204" pitchFamily="34" charset="0"/>
+                <a:cs typeface="Arial" panose="020B0604020202020204" pitchFamily="34" charset="0"/>
+              </a:rPr>
+              <a:t>Institution:</a:t>
+            </a:r>
+          </a:p>
+        </p:txBody>
+      </p:sp>
+      <p:sp>
+        <p:nvSpPr>
+          <p:cNvPr id="41" name="Rectangle 40">
+            <a:extLst>
+              <a:ext uri="{FF2B5EF4-FFF2-40B4-BE49-F238E27FC236}">
+                <a16:creationId xmlns:a16="http://schemas.microsoft.com/office/drawing/2014/main" id="{9F680E62-1E24-A143-8D0F-2DF27AE5B783}"/>
+              </a:ext>
+            </a:extLst>
+          </p:cNvPr>
+          <p:cNvSpPr/>
+          <p:nvPr/>
+        </p:nvSpPr>
+        <p:spPr>
+          <a:xfrm>
+            <a:off x="4482986" y="2998890"/>
+            <a:ext cx="1990725" cy="182880"/>
+          </a:xfrm>
+          <a:prstGeom prst="rect">
+            <a:avLst/>
+          </a:prstGeom>
+          <a:solidFill>
+            <a:schemeClr val="bg1"/>
+          </a:solidFill>
+          <a:ln>
+            <a:solidFill>
+              <a:schemeClr val="bg1">
+                <a:lumMod val="75000"/>
+              </a:schemeClr>
+            </a:solidFill>
+          </a:ln>
+        </p:spPr>
+        <p:style>
+          <a:lnRef idx="2">
+            <a:schemeClr val="accent1">
+              <a:shade val="50000"/>
+            </a:schemeClr>
+          </a:lnRef>
+          <a:fillRef idx="1">
+            <a:schemeClr val="accent1"/>
+          </a:fillRef>
+          <a:effectRef idx="0">
+            <a:schemeClr val="accent1"/>
+          </a:effectRef>
+          <a:fontRef idx="minor">
+            <a:schemeClr val="lt1"/>
+          </a:fontRef>
+        </p:style>
+        <p:txBody>
+          <a:bodyPr rtlCol="0" anchor="ctr"/>
+          <a:lstStyle/>
+          <a:p>
+            <a:pPr algn="ctr"/>
+            <a:endParaRPr lang="en-US"/>
+          </a:p>
+        </p:txBody>
+      </p:sp>
+      <p:sp>
+        <p:nvSpPr>
+          <p:cNvPr id="42" name="TextBox 41">
+            <a:extLst>
+              <a:ext uri="{FF2B5EF4-FFF2-40B4-BE49-F238E27FC236}">
+                <a16:creationId xmlns:a16="http://schemas.microsoft.com/office/drawing/2014/main" id="{02ADAD2A-3386-0D4F-8C79-4A36F4884EAF}"/>
+              </a:ext>
+            </a:extLst>
+          </p:cNvPr>
+          <p:cNvSpPr txBox="1"/>
+          <p:nvPr/>
+        </p:nvSpPr>
+        <p:spPr>
+          <a:xfrm>
+            <a:off x="6487976" y="2982193"/>
+            <a:ext cx="246110" cy="255500"/>
+          </a:xfrm>
+          <a:prstGeom prst="rect">
+            <a:avLst/>
+          </a:prstGeom>
+          <a:noFill/>
+        </p:spPr>
+        <p:txBody>
+          <a:bodyPr wrap="square" rtlCol="0">
+            <a:spAutoFit/>
+          </a:bodyPr>
+          <a:lstStyle/>
+          <a:p>
+            <a:r>
+              <a:rPr lang="en-US" sz="1000" dirty="0">
+                <a:solidFill>
+                  <a:srgbClr val="FF0000"/>
+                </a:solidFill>
+                <a:latin typeface="Arial" panose="020B0604020202020204" pitchFamily="34" charset="0"/>
+                <a:cs typeface="Arial" panose="020B0604020202020204" pitchFamily="34" charset="0"/>
+              </a:rPr>
+              <a:t>*</a:t>
+            </a:r>
+          </a:p>
+        </p:txBody>
+      </p:sp>
+      <p:sp>
+        <p:nvSpPr>
+          <p:cNvPr id="43" name="Isosceles Triangle 69">
+            <a:extLst>
+              <a:ext uri="{FF2B5EF4-FFF2-40B4-BE49-F238E27FC236}">
+                <a16:creationId xmlns:a16="http://schemas.microsoft.com/office/drawing/2014/main" id="{05A3770E-C995-8E44-9C0D-B4444DDBABEE}"/>
+              </a:ext>
+            </a:extLst>
+          </p:cNvPr>
+          <p:cNvSpPr/>
+          <p:nvPr/>
+        </p:nvSpPr>
+        <p:spPr>
+          <a:xfrm rot="10800000">
+            <a:off x="6321742" y="3041722"/>
+            <a:ext cx="91440" cy="91440"/>
+          </a:xfrm>
+          <a:prstGeom prst="triangle">
+            <a:avLst/>
+          </a:prstGeom>
+          <a:solidFill>
+            <a:schemeClr val="tx1"/>
+          </a:solidFill>
+          <a:ln>
+            <a:noFill/>
+          </a:ln>
+        </p:spPr>
+        <p:style>
+          <a:lnRef idx="2">
+            <a:schemeClr val="accent1">
+              <a:shade val="50000"/>
+            </a:schemeClr>
+          </a:lnRef>
+          <a:fillRef idx="1">
+            <a:schemeClr val="accent1"/>
+          </a:fillRef>
+          <a:effectRef idx="0">
+            <a:schemeClr val="accent1"/>
+          </a:effectRef>
+          <a:fontRef idx="minor">
+            <a:schemeClr val="lt1"/>
+          </a:fontRef>
+        </p:style>
+        <p:txBody>
+          <a:bodyPr rtlCol="0" anchor="ctr"/>
+          <a:lstStyle/>
+          <a:p>
+            <a:pPr algn="ctr"/>
+            <a:endParaRPr lang="en-US"/>
           </a:p>
         </p:txBody>
       </p:sp>
